--- a/k8s.pptx
+++ b/k8s.pptx
@@ -5,7 +5,7 @@
     <p:sldMasterId id="2147483888" r:id="rId1"/>
   </p:sldMasterIdLst>
   <p:notesMasterIdLst>
-    <p:notesMasterId r:id="rId13"/>
+    <p:notesMasterId r:id="rId12"/>
   </p:notesMasterIdLst>
   <p:sldIdLst>
     <p:sldId id="269" r:id="rId2"/>
@@ -17,8 +17,7 @@
     <p:sldId id="274" r:id="rId8"/>
     <p:sldId id="262" r:id="rId9"/>
     <p:sldId id="277" r:id="rId10"/>
-    <p:sldId id="279" r:id="rId11"/>
-    <p:sldId id="278" r:id="rId12"/>
+    <p:sldId id="278" r:id="rId11"/>
   </p:sldIdLst>
   <p:sldSz cx="12192000" cy="6858000"/>
   <p:notesSz cx="6858000" cy="9144000"/>
@@ -6542,14 +6541,20 @@
             <p:ph type="ctrTitle"/>
           </p:nvPr>
         </p:nvSpPr>
-        <p:spPr/>
+        <p:spPr>
+          <a:xfrm>
+            <a:off x="1507067" y="637674"/>
+            <a:ext cx="7766936" cy="790278"/>
+          </a:xfrm>
+        </p:spPr>
         <p:txBody>
           <a:bodyPr/>
           <a:lstStyle/>
           <a:p>
-            <a:r>
-              <a:rPr lang="en-US" dirty="0" err="1" smtClean="0"/>
-              <a:t>Minikube</a:t>
+            <a:pPr algn="l"/>
+            <a:r>
+              <a:rPr lang="en-US" dirty="0" smtClean="0"/>
+              <a:t>Objects</a:t>
             </a:r>
             <a:endParaRPr lang="en-US" dirty="0"/>
           </a:p>
@@ -6557,97 +6562,372 @@
       </p:sp>
       <p:sp>
         <p:nvSpPr>
-          <p:cNvPr id="3" name="Subtitle 2"/>
-          <p:cNvSpPr>
-            <a:spLocks noGrp="1"/>
-          </p:cNvSpPr>
-          <p:nvPr>
-            <p:ph type="subTitle" idx="1"/>
-          </p:nvPr>
-        </p:nvSpPr>
-        <p:spPr/>
-        <p:txBody>
-          <a:bodyPr/>
-          <a:lstStyle/>
-          <a:p>
+          <p:cNvPr id="6" name="Subtitle 2"/>
+          <p:cNvSpPr txBox="1">
+            <a:spLocks/>
+          </p:cNvSpPr>
+          <p:nvPr/>
+        </p:nvSpPr>
+        <p:spPr>
+          <a:xfrm>
+            <a:off x="1507067" y="1969370"/>
+            <a:ext cx="7766936" cy="2554504"/>
+          </a:xfrm>
+          <a:prstGeom prst="rect">
+            <a:avLst/>
+          </a:prstGeom>
+        </p:spPr>
+        <p:txBody>
+          <a:bodyPr vert="horz" lIns="91440" tIns="45720" rIns="91440" bIns="45720" rtlCol="0" anchor="t">
+            <a:normAutofit fontScale="85000" lnSpcReduction="20000"/>
+          </a:bodyPr>
+          <a:lstStyle>
+            <a:lvl1pPr marL="0" indent="0" algn="r" defTabSz="457200" rtl="0" eaLnBrk="1" latinLnBrk="0" hangingPunct="1">
+              <a:spcBef>
+                <a:spcPts val="1000"/>
+              </a:spcBef>
+              <a:spcAft>
+                <a:spcPts val="0"/>
+              </a:spcAft>
+              <a:buClr>
+                <a:schemeClr val="accent1"/>
+              </a:buClr>
+              <a:buSzPct val="80000"/>
+              <a:buFont typeface="Wingdings 3" charset="2"/>
+              <a:buNone/>
+              <a:defRPr sz="1800" kern="1200">
+                <a:solidFill>
+                  <a:schemeClr val="tx1">
+                    <a:lumMod val="50000"/>
+                    <a:lumOff val="50000"/>
+                  </a:schemeClr>
+                </a:solidFill>
+                <a:latin typeface="+mn-lt"/>
+                <a:ea typeface="+mn-ea"/>
+                <a:cs typeface="+mn-cs"/>
+              </a:defRPr>
+            </a:lvl1pPr>
+            <a:lvl2pPr marL="457200" indent="0" algn="ctr" defTabSz="457200" rtl="0" eaLnBrk="1" latinLnBrk="0" hangingPunct="1">
+              <a:spcBef>
+                <a:spcPts val="1000"/>
+              </a:spcBef>
+              <a:spcAft>
+                <a:spcPts val="0"/>
+              </a:spcAft>
+              <a:buClr>
+                <a:schemeClr val="accent1"/>
+              </a:buClr>
+              <a:buSzPct val="80000"/>
+              <a:buFont typeface="Wingdings 3" charset="2"/>
+              <a:buNone/>
+              <a:defRPr sz="1600" kern="1200">
+                <a:solidFill>
+                  <a:schemeClr val="tx1">
+                    <a:tint val="75000"/>
+                  </a:schemeClr>
+                </a:solidFill>
+                <a:latin typeface="+mn-lt"/>
+                <a:ea typeface="+mn-ea"/>
+                <a:cs typeface="+mn-cs"/>
+              </a:defRPr>
+            </a:lvl2pPr>
+            <a:lvl3pPr marL="914400" indent="0" algn="ctr" defTabSz="457200" rtl="0" eaLnBrk="1" latinLnBrk="0" hangingPunct="1">
+              <a:spcBef>
+                <a:spcPts val="1000"/>
+              </a:spcBef>
+              <a:spcAft>
+                <a:spcPts val="0"/>
+              </a:spcAft>
+              <a:buClr>
+                <a:schemeClr val="accent1"/>
+              </a:buClr>
+              <a:buSzPct val="80000"/>
+              <a:buFont typeface="Wingdings 3" charset="2"/>
+              <a:buNone/>
+              <a:defRPr sz="1400" kern="1200">
+                <a:solidFill>
+                  <a:schemeClr val="tx1">
+                    <a:tint val="75000"/>
+                  </a:schemeClr>
+                </a:solidFill>
+                <a:latin typeface="+mn-lt"/>
+                <a:ea typeface="+mn-ea"/>
+                <a:cs typeface="+mn-cs"/>
+              </a:defRPr>
+            </a:lvl3pPr>
+            <a:lvl4pPr marL="1371600" indent="0" algn="ctr" defTabSz="457200" rtl="0" eaLnBrk="1" latinLnBrk="0" hangingPunct="1">
+              <a:spcBef>
+                <a:spcPts val="1000"/>
+              </a:spcBef>
+              <a:spcAft>
+                <a:spcPts val="0"/>
+              </a:spcAft>
+              <a:buClr>
+                <a:schemeClr val="accent1"/>
+              </a:buClr>
+              <a:buSzPct val="80000"/>
+              <a:buFont typeface="Wingdings 3" charset="2"/>
+              <a:buNone/>
+              <a:defRPr sz="1200" kern="1200">
+                <a:solidFill>
+                  <a:schemeClr val="tx1">
+                    <a:tint val="75000"/>
+                  </a:schemeClr>
+                </a:solidFill>
+                <a:latin typeface="+mn-lt"/>
+                <a:ea typeface="+mn-ea"/>
+                <a:cs typeface="+mn-cs"/>
+              </a:defRPr>
+            </a:lvl4pPr>
+            <a:lvl5pPr marL="1828800" indent="0" algn="ctr" defTabSz="457200" rtl="0" eaLnBrk="1" latinLnBrk="0" hangingPunct="1">
+              <a:spcBef>
+                <a:spcPts val="1000"/>
+              </a:spcBef>
+              <a:spcAft>
+                <a:spcPts val="0"/>
+              </a:spcAft>
+              <a:buClr>
+                <a:schemeClr val="accent1"/>
+              </a:buClr>
+              <a:buSzPct val="80000"/>
+              <a:buFont typeface="Wingdings 3" charset="2"/>
+              <a:buNone/>
+              <a:defRPr sz="1200" kern="1200">
+                <a:solidFill>
+                  <a:schemeClr val="tx1">
+                    <a:tint val="75000"/>
+                  </a:schemeClr>
+                </a:solidFill>
+                <a:latin typeface="+mn-lt"/>
+                <a:ea typeface="+mn-ea"/>
+                <a:cs typeface="+mn-cs"/>
+              </a:defRPr>
+            </a:lvl5pPr>
+            <a:lvl6pPr marL="2286000" indent="0" algn="ctr" defTabSz="457200" rtl="0" eaLnBrk="1" latinLnBrk="0" hangingPunct="1">
+              <a:spcBef>
+                <a:spcPts val="1000"/>
+              </a:spcBef>
+              <a:spcAft>
+                <a:spcPts val="0"/>
+              </a:spcAft>
+              <a:buClr>
+                <a:schemeClr val="accent1"/>
+              </a:buClr>
+              <a:buSzPct val="80000"/>
+              <a:buFont typeface="Wingdings 3" charset="2"/>
+              <a:buNone/>
+              <a:defRPr sz="1200" kern="1200">
+                <a:solidFill>
+                  <a:schemeClr val="tx1">
+                    <a:tint val="75000"/>
+                  </a:schemeClr>
+                </a:solidFill>
+                <a:latin typeface="+mn-lt"/>
+                <a:ea typeface="+mn-ea"/>
+                <a:cs typeface="+mn-cs"/>
+              </a:defRPr>
+            </a:lvl6pPr>
+            <a:lvl7pPr marL="2743200" indent="0" algn="ctr" defTabSz="457200" rtl="0" eaLnBrk="1" latinLnBrk="0" hangingPunct="1">
+              <a:spcBef>
+                <a:spcPts val="1000"/>
+              </a:spcBef>
+              <a:spcAft>
+                <a:spcPts val="0"/>
+              </a:spcAft>
+              <a:buClr>
+                <a:schemeClr val="accent1"/>
+              </a:buClr>
+              <a:buSzPct val="80000"/>
+              <a:buFont typeface="Wingdings 3" charset="2"/>
+              <a:buNone/>
+              <a:defRPr sz="1200" kern="1200">
+                <a:solidFill>
+                  <a:schemeClr val="tx1">
+                    <a:tint val="75000"/>
+                  </a:schemeClr>
+                </a:solidFill>
+                <a:latin typeface="+mn-lt"/>
+                <a:ea typeface="+mn-ea"/>
+                <a:cs typeface="+mn-cs"/>
+              </a:defRPr>
+            </a:lvl7pPr>
+            <a:lvl8pPr marL="3200400" indent="0" algn="ctr" defTabSz="457200" rtl="0" eaLnBrk="1" latinLnBrk="0" hangingPunct="1">
+              <a:spcBef>
+                <a:spcPts val="1000"/>
+              </a:spcBef>
+              <a:spcAft>
+                <a:spcPts val="0"/>
+              </a:spcAft>
+              <a:buClr>
+                <a:schemeClr val="accent1"/>
+              </a:buClr>
+              <a:buSzPct val="80000"/>
+              <a:buFont typeface="Wingdings 3" charset="2"/>
+              <a:buNone/>
+              <a:defRPr sz="1200" kern="1200">
+                <a:solidFill>
+                  <a:schemeClr val="tx1">
+                    <a:tint val="75000"/>
+                  </a:schemeClr>
+                </a:solidFill>
+                <a:latin typeface="+mn-lt"/>
+                <a:ea typeface="+mn-ea"/>
+                <a:cs typeface="+mn-cs"/>
+              </a:defRPr>
+            </a:lvl8pPr>
+            <a:lvl9pPr marL="3657600" indent="0" algn="ctr" defTabSz="457200" rtl="0" eaLnBrk="1" latinLnBrk="0" hangingPunct="1">
+              <a:spcBef>
+                <a:spcPts val="1000"/>
+              </a:spcBef>
+              <a:spcAft>
+                <a:spcPts val="0"/>
+              </a:spcAft>
+              <a:buClr>
+                <a:schemeClr val="accent1"/>
+              </a:buClr>
+              <a:buSzPct val="80000"/>
+              <a:buFont typeface="Wingdings 3" charset="2"/>
+              <a:buNone/>
+              <a:defRPr sz="1200" kern="1200">
+                <a:solidFill>
+                  <a:schemeClr val="tx1">
+                    <a:tint val="75000"/>
+                  </a:schemeClr>
+                </a:solidFill>
+                <a:latin typeface="+mn-lt"/>
+                <a:ea typeface="+mn-ea"/>
+                <a:cs typeface="+mn-cs"/>
+              </a:defRPr>
+            </a:lvl9pPr>
+          </a:lstStyle>
+          <a:p>
+            <a:pPr marL="285750" indent="-285750" algn="l">
+              <a:buFont typeface="Arial" charset="0"/>
+              <a:buChar char="•"/>
+            </a:pPr>
+            <a:r>
+              <a:rPr lang="en-US" dirty="0" smtClean="0">
+                <a:hlinkClick r:id="rId2"/>
+              </a:rPr>
+              <a:t>Pod</a:t>
+            </a:r>
+            <a:endParaRPr lang="en-US" dirty="0" smtClean="0"/>
+          </a:p>
+          <a:p>
+            <a:pPr marL="285750" indent="-285750" algn="l">
+              <a:buFont typeface="Arial" charset="0"/>
+              <a:buChar char="•"/>
+            </a:pPr>
+            <a:r>
+              <a:rPr lang="en-US" dirty="0" err="1" smtClean="0">
+                <a:hlinkClick r:id="rId3"/>
+              </a:rPr>
+              <a:t>ReplicaSet</a:t>
+            </a:r>
+            <a:endParaRPr lang="en-US" dirty="0" smtClean="0"/>
+          </a:p>
+          <a:p>
+            <a:pPr marL="285750" indent="-285750" algn="l">
+              <a:buFont typeface="Arial" charset="0"/>
+              <a:buChar char="•"/>
+            </a:pPr>
+            <a:r>
+              <a:rPr lang="en-US" dirty="0" smtClean="0">
+                <a:hlinkClick r:id="rId4"/>
+              </a:rPr>
+              <a:t>Deployment</a:t>
+            </a:r>
+            <a:endParaRPr lang="en-US" dirty="0" smtClean="0"/>
+          </a:p>
+          <a:p>
+            <a:pPr marL="285750" indent="-285750" algn="l">
+              <a:buFont typeface="Arial" charset="0"/>
+              <a:buChar char="•"/>
+            </a:pPr>
+            <a:r>
+              <a:rPr lang="en-US" dirty="0" smtClean="0">
+                <a:hlinkClick r:id="rId5"/>
+              </a:rPr>
+              <a:t>Service</a:t>
+            </a:r>
+            <a:endParaRPr lang="en-US" dirty="0" smtClean="0"/>
+          </a:p>
+          <a:p>
+            <a:pPr marL="285750" indent="-285750" algn="l">
+              <a:buFont typeface="Arial" charset="0"/>
+              <a:buChar char="•"/>
+            </a:pPr>
+            <a:r>
+              <a:rPr lang="en-US" dirty="0" smtClean="0">
+                <a:hlinkClick r:id="rId6"/>
+              </a:rPr>
+              <a:t>Ingress</a:t>
+            </a:r>
+            <a:endParaRPr lang="en-US" dirty="0" smtClean="0"/>
+          </a:p>
+          <a:p>
+            <a:pPr marL="285750" indent="-285750" algn="l">
+              <a:buFont typeface="Arial" charset="0"/>
+              <a:buChar char="•"/>
+            </a:pPr>
+            <a:r>
+              <a:rPr lang="en-US" dirty="0">
+                <a:hlinkClick r:id="rId7"/>
+              </a:rPr>
+              <a:t>Horizontal Pod </a:t>
+            </a:r>
+            <a:r>
+              <a:rPr lang="en-US" dirty="0" smtClean="0">
+                <a:hlinkClick r:id="rId7"/>
+              </a:rPr>
+              <a:t>Autoscaler</a:t>
+            </a:r>
+            <a:endParaRPr lang="en-US" dirty="0" smtClean="0"/>
+          </a:p>
+          <a:p>
+            <a:pPr marL="285750" indent="-285750" algn="l">
+              <a:buFont typeface="Arial" charset="0"/>
+              <a:buChar char="•"/>
+            </a:pPr>
+            <a:r>
+              <a:rPr lang="en-US" dirty="0">
+                <a:hlinkClick r:id="rId8"/>
+              </a:rPr>
+              <a:t>Persistent </a:t>
+            </a:r>
+            <a:r>
+              <a:rPr lang="en-US" dirty="0" smtClean="0">
+                <a:hlinkClick r:id="rId8"/>
+              </a:rPr>
+              <a:t>Volumes</a:t>
+            </a:r>
+            <a:endParaRPr lang="en-US" dirty="0" smtClean="0"/>
+          </a:p>
+          <a:p>
+            <a:pPr marL="285750" indent="-285750" algn="l">
+              <a:buFont typeface="Arial" charset="0"/>
+              <a:buChar char="•"/>
+            </a:pPr>
+            <a:r>
+              <a:rPr lang="en-US" dirty="0" smtClean="0">
+                <a:hlinkClick r:id="rId9"/>
+              </a:rPr>
+              <a:t>Secrets</a:t>
+            </a:r>
             <a:endParaRPr lang="en-US" dirty="0"/>
           </a:p>
-        </p:txBody>
-      </p:sp>
-    </p:spTree>
-    <p:extLst>
-      <p:ext uri="{BB962C8B-B14F-4D97-AF65-F5344CB8AC3E}">
-        <p14:creationId xmlns:p14="http://schemas.microsoft.com/office/powerpoint/2010/main" val="1010072966"/>
-      </p:ext>
-    </p:extLst>
-  </p:cSld>
-  <p:clrMapOvr>
-    <a:masterClrMapping/>
-  </p:clrMapOvr>
-  <p:timing>
-    <p:tnLst>
-      <p:par>
-        <p:cTn id="1" dur="indefinite" restart="never" nodeType="tmRoot"/>
-      </p:par>
-    </p:tnLst>
-  </p:timing>
-</p:sld>
-</file>
-
-<file path=ppt/slides/slide11.xml><?xml version="1.0" encoding="utf-8"?>
-<p:sld xmlns:a="http://schemas.openxmlformats.org/drawingml/2006/main" xmlns:r="http://schemas.openxmlformats.org/officeDocument/2006/relationships" xmlns:p="http://schemas.openxmlformats.org/presentationml/2006/main">
-  <p:cSld>
-    <p:spTree>
-      <p:nvGrpSpPr>
-        <p:cNvPr id="1" name=""/>
-        <p:cNvGrpSpPr/>
-        <p:nvPr/>
-      </p:nvGrpSpPr>
-      <p:grpSpPr>
-        <a:xfrm>
-          <a:off x="0" y="0"/>
-          <a:ext cx="0" cy="0"/>
-          <a:chOff x="0" y="0"/>
-          <a:chExt cx="0" cy="0"/>
-        </a:xfrm>
-      </p:grpSpPr>
-      <p:sp>
-        <p:nvSpPr>
-          <p:cNvPr id="2" name="Title 1"/>
-          <p:cNvSpPr>
-            <a:spLocks noGrp="1"/>
-          </p:cNvSpPr>
-          <p:nvPr>
-            <p:ph type="ctrTitle"/>
-          </p:nvPr>
-        </p:nvSpPr>
-        <p:spPr/>
-        <p:txBody>
-          <a:bodyPr/>
-          <a:lstStyle/>
-          <a:p>
+          <a:p>
+            <a:pPr marL="285750" indent="-285750" algn="l">
+              <a:buFont typeface="Arial" charset="0"/>
+              <a:buChar char="•"/>
+            </a:pPr>
             <a:endParaRPr lang="en-US" dirty="0"/>
           </a:p>
-        </p:txBody>
-      </p:sp>
-      <p:sp>
-        <p:nvSpPr>
-          <p:cNvPr id="3" name="Subtitle 2"/>
-          <p:cNvSpPr>
-            <a:spLocks noGrp="1"/>
-          </p:cNvSpPr>
-          <p:nvPr>
-            <p:ph type="subTitle" idx="1"/>
-          </p:nvPr>
-        </p:nvSpPr>
-        <p:spPr/>
-        <p:txBody>
-          <a:bodyPr/>
-          <a:lstStyle/>
-          <a:p>
-            <a:endParaRPr lang="en-US" dirty="0" smtClean="0"/>
-          </a:p>
-          <a:p>
+          <a:p>
+            <a:pPr marL="285750" indent="-285750" algn="l">
+              <a:buFont typeface="Arial" charset="0"/>
+              <a:buChar char="•"/>
+            </a:pPr>
             <a:endParaRPr lang="en-US" dirty="0"/>
           </a:p>
         </p:txBody>
@@ -7215,7 +7495,7 @@
         <p:spPr>
           <a:xfrm>
             <a:off x="1275348" y="1251286"/>
-            <a:ext cx="8349915" cy="1754326"/>
+            <a:ext cx="8349915" cy="1477328"/>
           </a:xfrm>
           <a:prstGeom prst="rect">
             <a:avLst/>
@@ -7230,11 +7510,11 @@
           <a:p>
             <a:r>
               <a:rPr lang="en-US" dirty="0"/>
-              <a:t>The name Kubernetes originates from Greek, meaning helmsman or pilot, and is the root of governor and cybernetic</a:t>
+              <a:t>The name Kubernetes originates from Greek, meaning helmsman or </a:t>
             </a:r>
             <a:r>
               <a:rPr lang="en-US" dirty="0" smtClean="0"/>
-              <a:t>.</a:t>
+              <a:t>pilot.</a:t>
             </a:r>
           </a:p>
           <a:p>
@@ -7666,8 +7946,17 @@
         </p:nvSpPr>
         <p:spPr/>
         <p:txBody>
-          <a:bodyPr/>
-          <a:lstStyle/>
+          <a:bodyPr>
+            <a:normAutofit/>
+          </a:bodyPr>
+          <a:lstStyle/>
+          <a:p>
+            <a:r>
+              <a:rPr lang="en-US" b="1" dirty="0" smtClean="0"/>
+              <a:t>Teams: evia.k8s-workshop</a:t>
+            </a:r>
+            <a:endParaRPr lang="en-US" dirty="0" smtClean="0"/>
+          </a:p>
           <a:p>
             <a:r>
               <a:rPr lang="en-US" dirty="0" smtClean="0"/>
@@ -7816,9 +8105,12 @@
               <a:buChar char="•"/>
             </a:pPr>
             <a:r>
-              <a:rPr lang="en-US" dirty="0" smtClean="0"/>
+              <a:rPr lang="en-US" dirty="0" smtClean="0">
+                <a:hlinkClick r:id="rId4"/>
+              </a:rPr>
               <a:t>dashboard</a:t>
             </a:r>
+            <a:endParaRPr lang="en-US" dirty="0" smtClean="0"/>
           </a:p>
           <a:p>
             <a:pPr marL="285750" indent="-285750" algn="l">
@@ -7826,10 +8118,33 @@
               <a:buChar char="•"/>
             </a:pPr>
             <a:r>
-              <a:rPr lang="en-US" dirty="0" err="1" smtClean="0"/>
+              <a:rPr lang="en-US" dirty="0" smtClean="0">
+                <a:hlinkClick r:id="rId5"/>
+              </a:rPr>
               <a:t>heapster</a:t>
             </a:r>
-            <a:endParaRPr lang="en-US" dirty="0" smtClean="0"/>
+            <a:r>
+              <a:rPr lang="en-US" dirty="0" smtClean="0"/>
+              <a:t> </a:t>
+            </a:r>
+            <a:r>
+              <a:rPr lang="mr-IN" dirty="0" smtClean="0"/>
+              <a:t>–</a:t>
+            </a:r>
+            <a:r>
+              <a:rPr lang="en-US" dirty="0" smtClean="0"/>
+              <a:t> deprecated, use </a:t>
+            </a:r>
+            <a:r>
+              <a:rPr lang="en-US" dirty="0">
+                <a:hlinkClick r:id="rId6"/>
+              </a:rPr>
+              <a:t>metrics-server </a:t>
+            </a:r>
+            <a:r>
+              <a:rPr lang="en-US" dirty="0" smtClean="0"/>
+              <a:t>+ Prometheus</a:t>
+            </a:r>
           </a:p>
           <a:p>
             <a:pPr marL="285750" indent="-285750" algn="l">
@@ -7844,11 +8159,15 @@
               <a:buChar char="•"/>
             </a:pPr>
             <a:r>
-              <a:rPr lang="en-US" dirty="0" err="1" smtClean="0"/>
+              <a:rPr lang="en-US" dirty="0" err="1" smtClean="0">
+                <a:hlinkClick r:id="rId7"/>
+              </a:rPr>
               <a:t>k</a:t>
             </a:r>
             <a:r>
-              <a:rPr lang="en-US" dirty="0" err="1" smtClean="0"/>
+              <a:rPr lang="en-US" dirty="0" err="1" smtClean="0">
+                <a:hlinkClick r:id="rId7"/>
+              </a:rPr>
               <a:t>ubeadm</a:t>
             </a:r>
             <a:endParaRPr lang="en-US" dirty="0" smtClean="0"/>
